--- a/files/תרשים.pptx
+++ b/files/תרשים.pptx
@@ -259,7 +259,7 @@
           <a:p>
             <a:fld id="{7CAFB16F-E46B-47FB-B527-28563410DCA2}" type="datetimeFigureOut">
               <a:rPr lang="he-IL" smtClean="0"/>
-              <a:t>ט'/אייר/תשפ"ב</a:t>
+              <a:t>י"ח/אייר/תשפ"ב</a:t>
             </a:fld>
             <a:endParaRPr lang="he-IL"/>
           </a:p>
@@ -457,7 +457,7 @@
           <a:p>
             <a:fld id="{7CAFB16F-E46B-47FB-B527-28563410DCA2}" type="datetimeFigureOut">
               <a:rPr lang="he-IL" smtClean="0"/>
-              <a:t>ט'/אייר/תשפ"ב</a:t>
+              <a:t>י"ח/אייר/תשפ"ב</a:t>
             </a:fld>
             <a:endParaRPr lang="he-IL"/>
           </a:p>
@@ -665,7 +665,7 @@
           <a:p>
             <a:fld id="{7CAFB16F-E46B-47FB-B527-28563410DCA2}" type="datetimeFigureOut">
               <a:rPr lang="he-IL" smtClean="0"/>
-              <a:t>ט'/אייר/תשפ"ב</a:t>
+              <a:t>י"ח/אייר/תשפ"ב</a:t>
             </a:fld>
             <a:endParaRPr lang="he-IL"/>
           </a:p>
@@ -863,7 +863,7 @@
           <a:p>
             <a:fld id="{7CAFB16F-E46B-47FB-B527-28563410DCA2}" type="datetimeFigureOut">
               <a:rPr lang="he-IL" smtClean="0"/>
-              <a:t>ט'/אייר/תשפ"ב</a:t>
+              <a:t>י"ח/אייר/תשפ"ב</a:t>
             </a:fld>
             <a:endParaRPr lang="he-IL"/>
           </a:p>
@@ -1138,7 +1138,7 @@
           <a:p>
             <a:fld id="{7CAFB16F-E46B-47FB-B527-28563410DCA2}" type="datetimeFigureOut">
               <a:rPr lang="he-IL" smtClean="0"/>
-              <a:t>ט'/אייר/תשפ"ב</a:t>
+              <a:t>י"ח/אייר/תשפ"ב</a:t>
             </a:fld>
             <a:endParaRPr lang="he-IL"/>
           </a:p>
@@ -1403,7 +1403,7 @@
           <a:p>
             <a:fld id="{7CAFB16F-E46B-47FB-B527-28563410DCA2}" type="datetimeFigureOut">
               <a:rPr lang="he-IL" smtClean="0"/>
-              <a:t>ט'/אייר/תשפ"ב</a:t>
+              <a:t>י"ח/אייר/תשפ"ב</a:t>
             </a:fld>
             <a:endParaRPr lang="he-IL"/>
           </a:p>
@@ -1815,7 +1815,7 @@
           <a:p>
             <a:fld id="{7CAFB16F-E46B-47FB-B527-28563410DCA2}" type="datetimeFigureOut">
               <a:rPr lang="he-IL" smtClean="0"/>
-              <a:t>ט'/אייר/תשפ"ב</a:t>
+              <a:t>י"ח/אייר/תשפ"ב</a:t>
             </a:fld>
             <a:endParaRPr lang="he-IL"/>
           </a:p>
@@ -1956,7 +1956,7 @@
           <a:p>
             <a:fld id="{7CAFB16F-E46B-47FB-B527-28563410DCA2}" type="datetimeFigureOut">
               <a:rPr lang="he-IL" smtClean="0"/>
-              <a:t>ט'/אייר/תשפ"ב</a:t>
+              <a:t>י"ח/אייר/תשפ"ב</a:t>
             </a:fld>
             <a:endParaRPr lang="he-IL"/>
           </a:p>
@@ -2069,7 +2069,7 @@
           <a:p>
             <a:fld id="{7CAFB16F-E46B-47FB-B527-28563410DCA2}" type="datetimeFigureOut">
               <a:rPr lang="he-IL" smtClean="0"/>
-              <a:t>ט'/אייר/תשפ"ב</a:t>
+              <a:t>י"ח/אייר/תשפ"ב</a:t>
             </a:fld>
             <a:endParaRPr lang="he-IL"/>
           </a:p>
@@ -2380,7 +2380,7 @@
           <a:p>
             <a:fld id="{7CAFB16F-E46B-47FB-B527-28563410DCA2}" type="datetimeFigureOut">
               <a:rPr lang="he-IL" smtClean="0"/>
-              <a:t>ט'/אייר/תשפ"ב</a:t>
+              <a:t>י"ח/אייר/תשפ"ב</a:t>
             </a:fld>
             <a:endParaRPr lang="he-IL"/>
           </a:p>
@@ -2668,7 +2668,7 @@
           <a:p>
             <a:fld id="{7CAFB16F-E46B-47FB-B527-28563410DCA2}" type="datetimeFigureOut">
               <a:rPr lang="he-IL" smtClean="0"/>
-              <a:t>ט'/אייר/תשפ"ב</a:t>
+              <a:t>י"ח/אייר/תשפ"ב</a:t>
             </a:fld>
             <a:endParaRPr lang="he-IL"/>
           </a:p>
@@ -2909,7 +2909,7 @@
           <a:p>
             <a:fld id="{7CAFB16F-E46B-47FB-B527-28563410DCA2}" type="datetimeFigureOut">
               <a:rPr lang="he-IL" smtClean="0"/>
-              <a:t>ט'/אייר/תשפ"ב</a:t>
+              <a:t>י"ח/אייר/תשפ"ב</a:t>
             </a:fld>
             <a:endParaRPr lang="he-IL"/>
           </a:p>
@@ -3385,9 +3385,9 @@
           <p:nvPr/>
         </p:nvCxnSpPr>
         <p:spPr>
-          <a:xfrm flipH="1">
-            <a:off x="6241010" y="1628965"/>
-            <a:ext cx="22744" cy="589773"/>
+          <a:xfrm>
+            <a:off x="6263754" y="1628965"/>
+            <a:ext cx="0" cy="587054"/>
           </a:xfrm>
           <a:prstGeom prst="straightConnector1">
             <a:avLst/>
@@ -3843,7 +3843,7 @@
         </p:nvCxnSpPr>
         <p:spPr>
           <a:xfrm flipH="1">
-            <a:off x="5281127" y="1652291"/>
+            <a:off x="5215083" y="1628965"/>
             <a:ext cx="543069" cy="563728"/>
           </a:xfrm>
           <a:prstGeom prst="straightConnector1">
@@ -3927,7 +3927,7 @@
                   <a:srgbClr val="89D7C3"/>
                 </a:solidFill>
               </a:rPr>
-              <a:t>חיפוש בזמן אמת</a:t>
+              <a:t>העלאת תמונת נעדר</a:t>
             </a:r>
           </a:p>
         </p:txBody>
@@ -4348,6 +4348,260 @@
                 </a:solidFill>
               </a:rPr>
               <a:t>נמצאה התאמה</a:t>
+            </a:r>
+          </a:p>
+        </p:txBody>
+      </p:sp>
+      <p:cxnSp>
+        <p:nvCxnSpPr>
+          <p:cNvPr id="23" name="מחבר חץ ישר 22">
+            <a:extLst>
+              <a:ext uri="{FF2B5EF4-FFF2-40B4-BE49-F238E27FC236}">
+                <a16:creationId xmlns:a16="http://schemas.microsoft.com/office/drawing/2014/main" id="{F74211C2-EA09-8C8B-679A-146BB6985192}"/>
+              </a:ext>
+            </a:extLst>
+          </p:cNvPr>
+          <p:cNvCxnSpPr>
+            <a:cxnSpLocks/>
+          </p:cNvCxnSpPr>
+          <p:nvPr/>
+        </p:nvCxnSpPr>
+        <p:spPr>
+          <a:xfrm>
+            <a:off x="5642295" y="5580883"/>
+            <a:ext cx="0" cy="390709"/>
+          </a:xfrm>
+          <a:prstGeom prst="straightConnector1">
+            <a:avLst/>
+          </a:prstGeom>
+          <a:ln>
+            <a:solidFill>
+              <a:srgbClr val="182B4C"/>
+            </a:solidFill>
+            <a:tailEnd type="triangle"/>
+          </a:ln>
+        </p:spPr>
+        <p:style>
+          <a:lnRef idx="1">
+            <a:schemeClr val="accent1"/>
+          </a:lnRef>
+          <a:fillRef idx="0">
+            <a:schemeClr val="accent1"/>
+          </a:fillRef>
+          <a:effectRef idx="0">
+            <a:schemeClr val="accent1"/>
+          </a:effectRef>
+          <a:fontRef idx="minor">
+            <a:schemeClr val="tx1"/>
+          </a:fontRef>
+        </p:style>
+      </p:cxnSp>
+      <p:sp>
+        <p:nvSpPr>
+          <p:cNvPr id="25" name="מלבן: פינות מעוגלות 24">
+            <a:extLst>
+              <a:ext uri="{FF2B5EF4-FFF2-40B4-BE49-F238E27FC236}">
+                <a16:creationId xmlns:a16="http://schemas.microsoft.com/office/drawing/2014/main" id="{223292A3-DF88-5119-1C5D-E0D45C01B34D}"/>
+              </a:ext>
+            </a:extLst>
+          </p:cNvPr>
+          <p:cNvSpPr/>
+          <p:nvPr/>
+        </p:nvSpPr>
+        <p:spPr>
+          <a:xfrm>
+            <a:off x="5086054" y="5984820"/>
+            <a:ext cx="1166328" cy="378663"/>
+          </a:xfrm>
+          <a:prstGeom prst="roundRect">
+            <a:avLst/>
+          </a:prstGeom>
+          <a:solidFill>
+            <a:schemeClr val="bg1"/>
+          </a:solidFill>
+          <a:ln w="19050">
+            <a:solidFill>
+              <a:srgbClr val="182B4C"/>
+            </a:solidFill>
+          </a:ln>
+        </p:spPr>
+        <p:style>
+          <a:lnRef idx="2">
+            <a:schemeClr val="accent1">
+              <a:shade val="50000"/>
+            </a:schemeClr>
+          </a:lnRef>
+          <a:fillRef idx="1">
+            <a:schemeClr val="accent1"/>
+          </a:fillRef>
+          <a:effectRef idx="0">
+            <a:schemeClr val="accent1"/>
+          </a:effectRef>
+          <a:fontRef idx="minor">
+            <a:schemeClr val="lt1"/>
+          </a:fontRef>
+        </p:style>
+        <p:txBody>
+          <a:bodyPr rtlCol="1" anchor="ctr"/>
+          <a:lstStyle/>
+          <a:p>
+            <a:pPr algn="ctr"/>
+            <a:r>
+              <a:rPr lang="he-IL" sz="1400" b="1" dirty="0">
+                <a:solidFill>
+                  <a:srgbClr val="89D7C3"/>
+                </a:solidFill>
+              </a:rPr>
+              <a:t>החזרת טופס יצירת קשר</a:t>
+            </a:r>
+          </a:p>
+        </p:txBody>
+      </p:sp>
+      <p:cxnSp>
+        <p:nvCxnSpPr>
+          <p:cNvPr id="29" name="מחבר חץ ישר 28">
+            <a:extLst>
+              <a:ext uri="{FF2B5EF4-FFF2-40B4-BE49-F238E27FC236}">
+                <a16:creationId xmlns:a16="http://schemas.microsoft.com/office/drawing/2014/main" id="{BA8363A7-45EB-C727-7CF7-79045A631E8A}"/>
+              </a:ext>
+            </a:extLst>
+          </p:cNvPr>
+          <p:cNvCxnSpPr>
+            <a:cxnSpLocks/>
+          </p:cNvCxnSpPr>
+          <p:nvPr/>
+        </p:nvCxnSpPr>
+        <p:spPr>
+          <a:xfrm flipH="1">
+            <a:off x="7254549" y="3618329"/>
+            <a:ext cx="327152" cy="563731"/>
+          </a:xfrm>
+          <a:prstGeom prst="straightConnector1">
+            <a:avLst/>
+          </a:prstGeom>
+          <a:ln>
+            <a:solidFill>
+              <a:srgbClr val="182B4C"/>
+            </a:solidFill>
+            <a:tailEnd type="triangle"/>
+          </a:ln>
+        </p:spPr>
+        <p:style>
+          <a:lnRef idx="1">
+            <a:schemeClr val="accent1"/>
+          </a:lnRef>
+          <a:fillRef idx="0">
+            <a:schemeClr val="accent1"/>
+          </a:fillRef>
+          <a:effectRef idx="0">
+            <a:schemeClr val="accent1"/>
+          </a:effectRef>
+          <a:fontRef idx="minor">
+            <a:schemeClr val="tx1"/>
+          </a:fontRef>
+        </p:style>
+      </p:cxnSp>
+      <p:cxnSp>
+        <p:nvCxnSpPr>
+          <p:cNvPr id="32" name="מחבר חץ ישר 31">
+            <a:extLst>
+              <a:ext uri="{FF2B5EF4-FFF2-40B4-BE49-F238E27FC236}">
+                <a16:creationId xmlns:a16="http://schemas.microsoft.com/office/drawing/2014/main" id="{F187072E-3B25-81E6-C56F-381228360F13}"/>
+              </a:ext>
+            </a:extLst>
+          </p:cNvPr>
+          <p:cNvCxnSpPr>
+            <a:cxnSpLocks/>
+          </p:cNvCxnSpPr>
+          <p:nvPr/>
+        </p:nvCxnSpPr>
+        <p:spPr>
+          <a:xfrm>
+            <a:off x="6264917" y="3613662"/>
+            <a:ext cx="485192" cy="563729"/>
+          </a:xfrm>
+          <a:prstGeom prst="straightConnector1">
+            <a:avLst/>
+          </a:prstGeom>
+          <a:ln>
+            <a:solidFill>
+              <a:srgbClr val="182B4C"/>
+            </a:solidFill>
+            <a:tailEnd type="triangle"/>
+          </a:ln>
+        </p:spPr>
+        <p:style>
+          <a:lnRef idx="1">
+            <a:schemeClr val="accent1"/>
+          </a:lnRef>
+          <a:fillRef idx="0">
+            <a:schemeClr val="accent1"/>
+          </a:fillRef>
+          <a:effectRef idx="0">
+            <a:schemeClr val="accent1"/>
+          </a:effectRef>
+          <a:fontRef idx="minor">
+            <a:schemeClr val="tx1"/>
+          </a:fontRef>
+        </p:style>
+      </p:cxnSp>
+      <p:sp>
+        <p:nvSpPr>
+          <p:cNvPr id="33" name="מלבן: פינות מעוגלות 32">
+            <a:extLst>
+              <a:ext uri="{FF2B5EF4-FFF2-40B4-BE49-F238E27FC236}">
+                <a16:creationId xmlns:a16="http://schemas.microsoft.com/office/drawing/2014/main" id="{D8A8CD0C-D2A7-3283-5ECF-DF1E5F82AA66}"/>
+              </a:ext>
+            </a:extLst>
+          </p:cNvPr>
+          <p:cNvSpPr/>
+          <p:nvPr/>
+        </p:nvSpPr>
+        <p:spPr>
+          <a:xfrm>
+            <a:off x="6415373" y="4221330"/>
+            <a:ext cx="1166328" cy="378663"/>
+          </a:xfrm>
+          <a:prstGeom prst="roundRect">
+            <a:avLst/>
+          </a:prstGeom>
+          <a:solidFill>
+            <a:schemeClr val="bg1"/>
+          </a:solidFill>
+          <a:ln w="19050">
+            <a:solidFill>
+              <a:srgbClr val="182B4C"/>
+            </a:solidFill>
+          </a:ln>
+        </p:spPr>
+        <p:style>
+          <a:lnRef idx="2">
+            <a:schemeClr val="accent1">
+              <a:shade val="50000"/>
+            </a:schemeClr>
+          </a:lnRef>
+          <a:fillRef idx="1">
+            <a:schemeClr val="accent1"/>
+          </a:fillRef>
+          <a:effectRef idx="0">
+            <a:schemeClr val="accent1"/>
+          </a:effectRef>
+          <a:fontRef idx="minor">
+            <a:schemeClr val="lt1"/>
+          </a:fontRef>
+        </p:style>
+        <p:txBody>
+          <a:bodyPr rtlCol="1" anchor="ctr"/>
+          <a:lstStyle/>
+          <a:p>
+            <a:pPr algn="ctr"/>
+            <a:r>
+              <a:rPr lang="he-IL" sz="1100" b="1" dirty="0">
+                <a:solidFill>
+                  <a:srgbClr val="89D7C3"/>
+                </a:solidFill>
+              </a:rPr>
+              <a:t>הכנסה ועדכון פרטי יצירת קשר</a:t>
             </a:r>
           </a:p>
         </p:txBody>

--- a/files/תרשים.pptx
+++ b/files/תרשים.pptx
@@ -259,7 +259,7 @@
           <a:p>
             <a:fld id="{7CAFB16F-E46B-47FB-B527-28563410DCA2}" type="datetimeFigureOut">
               <a:rPr lang="he-IL" smtClean="0"/>
-              <a:t>י"ח/אייר/תשפ"ב</a:t>
+              <a:t>ז'/סיון/תשפ"ב</a:t>
             </a:fld>
             <a:endParaRPr lang="he-IL"/>
           </a:p>
@@ -457,7 +457,7 @@
           <a:p>
             <a:fld id="{7CAFB16F-E46B-47FB-B527-28563410DCA2}" type="datetimeFigureOut">
               <a:rPr lang="he-IL" smtClean="0"/>
-              <a:t>י"ח/אייר/תשפ"ב</a:t>
+              <a:t>ז'/סיון/תשפ"ב</a:t>
             </a:fld>
             <a:endParaRPr lang="he-IL"/>
           </a:p>
@@ -665,7 +665,7 @@
           <a:p>
             <a:fld id="{7CAFB16F-E46B-47FB-B527-28563410DCA2}" type="datetimeFigureOut">
               <a:rPr lang="he-IL" smtClean="0"/>
-              <a:t>י"ח/אייר/תשפ"ב</a:t>
+              <a:t>ז'/סיון/תשפ"ב</a:t>
             </a:fld>
             <a:endParaRPr lang="he-IL"/>
           </a:p>
@@ -863,7 +863,7 @@
           <a:p>
             <a:fld id="{7CAFB16F-E46B-47FB-B527-28563410DCA2}" type="datetimeFigureOut">
               <a:rPr lang="he-IL" smtClean="0"/>
-              <a:t>י"ח/אייר/תשפ"ב</a:t>
+              <a:t>ז'/סיון/תשפ"ב</a:t>
             </a:fld>
             <a:endParaRPr lang="he-IL"/>
           </a:p>
@@ -1138,7 +1138,7 @@
           <a:p>
             <a:fld id="{7CAFB16F-E46B-47FB-B527-28563410DCA2}" type="datetimeFigureOut">
               <a:rPr lang="he-IL" smtClean="0"/>
-              <a:t>י"ח/אייר/תשפ"ב</a:t>
+              <a:t>ז'/סיון/תשפ"ב</a:t>
             </a:fld>
             <a:endParaRPr lang="he-IL"/>
           </a:p>
@@ -1403,7 +1403,7 @@
           <a:p>
             <a:fld id="{7CAFB16F-E46B-47FB-B527-28563410DCA2}" type="datetimeFigureOut">
               <a:rPr lang="he-IL" smtClean="0"/>
-              <a:t>י"ח/אייר/תשפ"ב</a:t>
+              <a:t>ז'/סיון/תשפ"ב</a:t>
             </a:fld>
             <a:endParaRPr lang="he-IL"/>
           </a:p>
@@ -1815,7 +1815,7 @@
           <a:p>
             <a:fld id="{7CAFB16F-E46B-47FB-B527-28563410DCA2}" type="datetimeFigureOut">
               <a:rPr lang="he-IL" smtClean="0"/>
-              <a:t>י"ח/אייר/תשפ"ב</a:t>
+              <a:t>ז'/סיון/תשפ"ב</a:t>
             </a:fld>
             <a:endParaRPr lang="he-IL"/>
           </a:p>
@@ -1956,7 +1956,7 @@
           <a:p>
             <a:fld id="{7CAFB16F-E46B-47FB-B527-28563410DCA2}" type="datetimeFigureOut">
               <a:rPr lang="he-IL" smtClean="0"/>
-              <a:t>י"ח/אייר/תשפ"ב</a:t>
+              <a:t>ז'/סיון/תשפ"ב</a:t>
             </a:fld>
             <a:endParaRPr lang="he-IL"/>
           </a:p>
@@ -2069,7 +2069,7 @@
           <a:p>
             <a:fld id="{7CAFB16F-E46B-47FB-B527-28563410DCA2}" type="datetimeFigureOut">
               <a:rPr lang="he-IL" smtClean="0"/>
-              <a:t>י"ח/אייר/תשפ"ב</a:t>
+              <a:t>ז'/סיון/תשפ"ב</a:t>
             </a:fld>
             <a:endParaRPr lang="he-IL"/>
           </a:p>
@@ -2380,7 +2380,7 @@
           <a:p>
             <a:fld id="{7CAFB16F-E46B-47FB-B527-28563410DCA2}" type="datetimeFigureOut">
               <a:rPr lang="he-IL" smtClean="0"/>
-              <a:t>י"ח/אייר/תשפ"ב</a:t>
+              <a:t>ז'/סיון/תשפ"ב</a:t>
             </a:fld>
             <a:endParaRPr lang="he-IL"/>
           </a:p>
@@ -2668,7 +2668,7 @@
           <a:p>
             <a:fld id="{7CAFB16F-E46B-47FB-B527-28563410DCA2}" type="datetimeFigureOut">
               <a:rPr lang="he-IL" smtClean="0"/>
-              <a:t>י"ח/אייר/תשפ"ב</a:t>
+              <a:t>ז'/סיון/תשפ"ב</a:t>
             </a:fld>
             <a:endParaRPr lang="he-IL"/>
           </a:p>
@@ -2909,7 +2909,7 @@
           <a:p>
             <a:fld id="{7CAFB16F-E46B-47FB-B527-28563410DCA2}" type="datetimeFigureOut">
               <a:rPr lang="he-IL" smtClean="0"/>
-              <a:t>י"ח/אייר/תשפ"ב</a:t>
+              <a:t>ז'/סיון/תשפ"ב</a:t>
             </a:fld>
             <a:endParaRPr lang="he-IL"/>
           </a:p>
@@ -4596,16 +4596,165 @@
           <a:p>
             <a:pPr algn="ctr"/>
             <a:r>
-              <a:rPr lang="he-IL" sz="1100" b="1" dirty="0">
+              <a:rPr lang="he-IL" sz="1400" b="1" dirty="0">
                 <a:solidFill>
                   <a:srgbClr val="89D7C3"/>
                 </a:solidFill>
               </a:rPr>
-              <a:t>הכנסה ועדכון פרטי יצירת קשר</a:t>
-            </a:r>
-          </a:p>
-        </p:txBody>
-      </p:sp>
+              <a:t>כניסה לאזור האישי</a:t>
+            </a:r>
+          </a:p>
+        </p:txBody>
+      </p:sp>
+      <p:sp>
+        <p:nvSpPr>
+          <p:cNvPr id="27" name="מלבן: פינות מעוגלות 26">
+            <a:extLst>
+              <a:ext uri="{FF2B5EF4-FFF2-40B4-BE49-F238E27FC236}">
+                <a16:creationId xmlns:a16="http://schemas.microsoft.com/office/drawing/2014/main" id="{BCDC6D6B-746C-1572-F25D-2BE37DC1539F}"/>
+              </a:ext>
+            </a:extLst>
+          </p:cNvPr>
+          <p:cNvSpPr/>
+          <p:nvPr/>
+        </p:nvSpPr>
+        <p:spPr>
+          <a:xfrm>
+            <a:off x="6415373" y="5182382"/>
+            <a:ext cx="1166328" cy="378663"/>
+          </a:xfrm>
+          <a:prstGeom prst="roundRect">
+            <a:avLst/>
+          </a:prstGeom>
+          <a:solidFill>
+            <a:schemeClr val="bg1"/>
+          </a:solidFill>
+          <a:ln w="19050">
+            <a:solidFill>
+              <a:srgbClr val="182B4C"/>
+            </a:solidFill>
+          </a:ln>
+        </p:spPr>
+        <p:style>
+          <a:lnRef idx="2">
+            <a:schemeClr val="accent1">
+              <a:shade val="50000"/>
+            </a:schemeClr>
+          </a:lnRef>
+          <a:fillRef idx="1">
+            <a:schemeClr val="accent1"/>
+          </a:fillRef>
+          <a:effectRef idx="0">
+            <a:schemeClr val="accent1"/>
+          </a:effectRef>
+          <a:fontRef idx="minor">
+            <a:schemeClr val="lt1"/>
+          </a:fontRef>
+        </p:style>
+        <p:txBody>
+          <a:bodyPr rtlCol="1" anchor="ctr"/>
+          <a:lstStyle/>
+          <a:p>
+            <a:pPr algn="ctr"/>
+            <a:r>
+              <a:rPr lang="he-IL" sz="900" b="1" dirty="0">
+                <a:solidFill>
+                  <a:srgbClr val="89D7C3"/>
+                </a:solidFill>
+              </a:rPr>
+              <a:t>מילוי ועדכון טופס יצירת קשר והעלאת תמונה</a:t>
+            </a:r>
+          </a:p>
+        </p:txBody>
+      </p:sp>
+      <p:cxnSp>
+        <p:nvCxnSpPr>
+          <p:cNvPr id="30" name="מחבר חץ ישר 29">
+            <a:extLst>
+              <a:ext uri="{FF2B5EF4-FFF2-40B4-BE49-F238E27FC236}">
+                <a16:creationId xmlns:a16="http://schemas.microsoft.com/office/drawing/2014/main" id="{823A8747-183E-3F2D-8C6C-C1F935804AB8}"/>
+              </a:ext>
+            </a:extLst>
+          </p:cNvPr>
+          <p:cNvCxnSpPr>
+            <a:cxnSpLocks/>
+          </p:cNvCxnSpPr>
+          <p:nvPr/>
+        </p:nvCxnSpPr>
+        <p:spPr>
+          <a:xfrm flipH="1" flipV="1">
+            <a:off x="5086054" y="2701982"/>
+            <a:ext cx="1509956" cy="1861458"/>
+          </a:xfrm>
+          <a:prstGeom prst="straightConnector1">
+            <a:avLst/>
+          </a:prstGeom>
+          <a:ln>
+            <a:solidFill>
+              <a:srgbClr val="182B4C"/>
+            </a:solidFill>
+            <a:tailEnd type="triangle"/>
+          </a:ln>
+        </p:spPr>
+        <p:style>
+          <a:lnRef idx="1">
+            <a:schemeClr val="accent1"/>
+          </a:lnRef>
+          <a:fillRef idx="0">
+            <a:schemeClr val="accent1"/>
+          </a:fillRef>
+          <a:effectRef idx="0">
+            <a:schemeClr val="accent1"/>
+          </a:effectRef>
+          <a:fontRef idx="minor">
+            <a:schemeClr val="tx1"/>
+          </a:fontRef>
+        </p:style>
+      </p:cxnSp>
+      <p:cxnSp>
+        <p:nvCxnSpPr>
+          <p:cNvPr id="43" name="מחבר חץ ישר 42">
+            <a:extLst>
+              <a:ext uri="{FF2B5EF4-FFF2-40B4-BE49-F238E27FC236}">
+                <a16:creationId xmlns:a16="http://schemas.microsoft.com/office/drawing/2014/main" id="{35CDF543-1981-1CE5-193E-DF7BB8B9683F}"/>
+              </a:ext>
+            </a:extLst>
+          </p:cNvPr>
+          <p:cNvCxnSpPr>
+            <a:cxnSpLocks/>
+          </p:cNvCxnSpPr>
+          <p:nvPr/>
+        </p:nvCxnSpPr>
+        <p:spPr>
+          <a:xfrm>
+            <a:off x="6998537" y="4618654"/>
+            <a:ext cx="8753" cy="513183"/>
+          </a:xfrm>
+          <a:prstGeom prst="straightConnector1">
+            <a:avLst/>
+          </a:prstGeom>
+          <a:ln>
+            <a:solidFill>
+              <a:srgbClr val="182B4C"/>
+            </a:solidFill>
+            <a:tailEnd type="triangle"/>
+          </a:ln>
+        </p:spPr>
+        <p:style>
+          <a:lnRef idx="1">
+            <a:schemeClr val="accent1"/>
+          </a:lnRef>
+          <a:fillRef idx="0">
+            <a:schemeClr val="accent1"/>
+          </a:fillRef>
+          <a:effectRef idx="0">
+            <a:schemeClr val="accent1"/>
+          </a:effectRef>
+          <a:fontRef idx="minor">
+            <a:schemeClr val="tx1"/>
+          </a:fontRef>
+        </p:style>
+      </p:cxnSp>
     </p:spTree>
     <p:extLst>
       <p:ext uri="{BB962C8B-B14F-4D97-AF65-F5344CB8AC3E}">
